--- a/images/novel-draft.pptx
+++ b/images/novel-draft.pptx
@@ -106,6 +106,11 @@
       </a:defRPr>
     </a:lvl9pPr>
   </p:defaultTextStyle>
+  <p:extLst>
+    <p:ext uri="{EFAFB233-063F-42B5-8137-9DF3F51BA10A}">
+      <p15:sldGuideLst xmlns:p15="http://schemas.microsoft.com/office/powerpoint/2012/main"/>
+    </p:ext>
+  </p:extLst>
 </p:presentation>
 </file>
 
@@ -258,7 +263,7 @@
           <a:p>
             <a:fld id="{BDD9AFAD-1CE6-43BA-BCB0-8C338B16EF89}" type="datetimeFigureOut">
               <a:rPr lang="zh-CN" altLang="en-US" smtClean="0"/>
-              <a:t>2022/6/6</a:t>
+              <a:t>2022/6/7</a:t>
             </a:fld>
             <a:endParaRPr lang="zh-CN" altLang="en-US"/>
           </a:p>
@@ -458,7 +463,7 @@
           <a:p>
             <a:fld id="{BDD9AFAD-1CE6-43BA-BCB0-8C338B16EF89}" type="datetimeFigureOut">
               <a:rPr lang="zh-CN" altLang="en-US" smtClean="0"/>
-              <a:t>2022/6/6</a:t>
+              <a:t>2022/6/7</a:t>
             </a:fld>
             <a:endParaRPr lang="zh-CN" altLang="en-US"/>
           </a:p>
@@ -668,7 +673,7 @@
           <a:p>
             <a:fld id="{BDD9AFAD-1CE6-43BA-BCB0-8C338B16EF89}" type="datetimeFigureOut">
               <a:rPr lang="zh-CN" altLang="en-US" smtClean="0"/>
-              <a:t>2022/6/6</a:t>
+              <a:t>2022/6/7</a:t>
             </a:fld>
             <a:endParaRPr lang="zh-CN" altLang="en-US"/>
           </a:p>
@@ -868,7 +873,7 @@
           <a:p>
             <a:fld id="{BDD9AFAD-1CE6-43BA-BCB0-8C338B16EF89}" type="datetimeFigureOut">
               <a:rPr lang="zh-CN" altLang="en-US" smtClean="0"/>
-              <a:t>2022/6/6</a:t>
+              <a:t>2022/6/7</a:t>
             </a:fld>
             <a:endParaRPr lang="zh-CN" altLang="en-US"/>
           </a:p>
@@ -1144,7 +1149,7 @@
           <a:p>
             <a:fld id="{BDD9AFAD-1CE6-43BA-BCB0-8C338B16EF89}" type="datetimeFigureOut">
               <a:rPr lang="zh-CN" altLang="en-US" smtClean="0"/>
-              <a:t>2022/6/6</a:t>
+              <a:t>2022/6/7</a:t>
             </a:fld>
             <a:endParaRPr lang="zh-CN" altLang="en-US"/>
           </a:p>
@@ -1412,7 +1417,7 @@
           <a:p>
             <a:fld id="{BDD9AFAD-1CE6-43BA-BCB0-8C338B16EF89}" type="datetimeFigureOut">
               <a:rPr lang="zh-CN" altLang="en-US" smtClean="0"/>
-              <a:t>2022/6/6</a:t>
+              <a:t>2022/6/7</a:t>
             </a:fld>
             <a:endParaRPr lang="zh-CN" altLang="en-US"/>
           </a:p>
@@ -1827,7 +1832,7 @@
           <a:p>
             <a:fld id="{BDD9AFAD-1CE6-43BA-BCB0-8C338B16EF89}" type="datetimeFigureOut">
               <a:rPr lang="zh-CN" altLang="en-US" smtClean="0"/>
-              <a:t>2022/6/6</a:t>
+              <a:t>2022/6/7</a:t>
             </a:fld>
             <a:endParaRPr lang="zh-CN" altLang="en-US"/>
           </a:p>
@@ -1969,7 +1974,7 @@
           <a:p>
             <a:fld id="{BDD9AFAD-1CE6-43BA-BCB0-8C338B16EF89}" type="datetimeFigureOut">
               <a:rPr lang="zh-CN" altLang="en-US" smtClean="0"/>
-              <a:t>2022/6/6</a:t>
+              <a:t>2022/6/7</a:t>
             </a:fld>
             <a:endParaRPr lang="zh-CN" altLang="en-US"/>
           </a:p>
@@ -2082,7 +2087,7 @@
           <a:p>
             <a:fld id="{BDD9AFAD-1CE6-43BA-BCB0-8C338B16EF89}" type="datetimeFigureOut">
               <a:rPr lang="zh-CN" altLang="en-US" smtClean="0"/>
-              <a:t>2022/6/6</a:t>
+              <a:t>2022/6/7</a:t>
             </a:fld>
             <a:endParaRPr lang="zh-CN" altLang="en-US"/>
           </a:p>
@@ -2395,7 +2400,7 @@
           <a:p>
             <a:fld id="{BDD9AFAD-1CE6-43BA-BCB0-8C338B16EF89}" type="datetimeFigureOut">
               <a:rPr lang="zh-CN" altLang="en-US" smtClean="0"/>
-              <a:t>2022/6/6</a:t>
+              <a:t>2022/6/7</a:t>
             </a:fld>
             <a:endParaRPr lang="zh-CN" altLang="en-US"/>
           </a:p>
@@ -2684,7 +2689,7 @@
           <a:p>
             <a:fld id="{BDD9AFAD-1CE6-43BA-BCB0-8C338B16EF89}" type="datetimeFigureOut">
               <a:rPr lang="zh-CN" altLang="en-US" smtClean="0"/>
-              <a:t>2022/6/6</a:t>
+              <a:t>2022/6/7</a:t>
             </a:fld>
             <a:endParaRPr lang="zh-CN" altLang="en-US"/>
           </a:p>
@@ -2927,7 +2932,7 @@
           <a:p>
             <a:fld id="{BDD9AFAD-1CE6-43BA-BCB0-8C338B16EF89}" type="datetimeFigureOut">
               <a:rPr lang="zh-CN" altLang="en-US" smtClean="0"/>
-              <a:t>2022/6/6</a:t>
+              <a:t>2022/6/7</a:t>
             </a:fld>
             <a:endParaRPr lang="zh-CN" altLang="en-US"/>
           </a:p>
@@ -3568,7 +3573,18 @@
           <p:nvPr/>
         </p:nvPicPr>
         <p:blipFill rotWithShape="1">
-          <a:blip r:embed="rId2"/>
+          <a:blip r:embed="rId2">
+            <a:clrChange>
+              <a:clrFrom>
+                <a:srgbClr val="FFFFFF"/>
+              </a:clrFrom>
+              <a:clrTo>
+                <a:srgbClr val="FFFFFF">
+                  <a:alpha val="0"/>
+                </a:srgbClr>
+              </a:clrTo>
+            </a:clrChange>
+          </a:blip>
           <a:srcRect l="36410" t="45953" r="21027" b="28027"/>
           <a:stretch/>
         </p:blipFill>
@@ -5163,7 +5179,18 @@
           <p:nvPr/>
         </p:nvPicPr>
         <p:blipFill rotWithShape="1">
-          <a:blip r:embed="rId2"/>
+          <a:blip r:embed="rId2">
+            <a:clrChange>
+              <a:clrFrom>
+                <a:srgbClr val="FFFFFF"/>
+              </a:clrFrom>
+              <a:clrTo>
+                <a:srgbClr val="FFFFFF">
+                  <a:alpha val="0"/>
+                </a:srgbClr>
+              </a:clrTo>
+            </a:clrChange>
+          </a:blip>
           <a:srcRect l="25868" t="42452" r="11454" b="36054"/>
           <a:stretch/>
         </p:blipFill>
